--- a/files/teaching-resources/monmouthcollege-econ-301/econ-301-s2024/econ-301-s2024-lecture-note/ECON301-S2024-LEC12.pptx
+++ b/files/teaching-resources/monmouthcollege-econ-301/econ-301-s2024/econ-301-s2024-lecture-note/ECON301-S2024-LEC12.pptx
@@ -5,7 +5,7 @@
     <p:sldMasterId id="2147483720" r:id="rId1"/>
   </p:sldMasterIdLst>
   <p:notesMasterIdLst>
-    <p:notesMasterId r:id="rId26"/>
+    <p:notesMasterId r:id="rId28"/>
   </p:notesMasterIdLst>
   <p:sldIdLst>
     <p:sldId id="256" r:id="rId2"/>
@@ -32,6 +32,8 @@
     <p:sldId id="472" r:id="rId23"/>
     <p:sldId id="471" r:id="rId24"/>
     <p:sldId id="473" r:id="rId25"/>
+    <p:sldId id="474" r:id="rId26"/>
+    <p:sldId id="475" r:id="rId27"/>
   </p:sldIdLst>
   <p:sldSz cx="9144000" cy="6858000" type="screen4x3"/>
   <p:notesSz cx="6858000" cy="9144000"/>
@@ -220,7 +222,7 @@
           <a:p>
             <a:fld id="{0E0A6441-4E79-42FF-805B-86C90BDFD38D}" type="datetimeFigureOut">
               <a:rPr lang="en-US" smtClean="0"/>
-              <a:t>3/23/2024</a:t>
+              <a:t>3/24/2024</a:t>
             </a:fld>
             <a:endParaRPr lang="en-US" dirty="0"/>
           </a:p>
@@ -4776,8 +4778,8 @@
           </a:p>
         </p:txBody>
       </p:sp>
-      <mc:AlternateContent xmlns:mc="http://schemas.openxmlformats.org/markup-compatibility/2006">
-        <mc:Choice xmlns:a14="http://schemas.microsoft.com/office/drawing/2010/main" Requires="a14">
+      <mc:AlternateContent xmlns:mc="http://schemas.openxmlformats.org/markup-compatibility/2006" xmlns:a14="http://schemas.microsoft.com/office/drawing/2010/main">
+        <mc:Choice Requires="a14">
           <p:sp>
             <p:nvSpPr>
               <p:cNvPr id="21" name="TextBox 20">
@@ -4891,7 +4893,7 @@
             </p:txBody>
           </p:sp>
         </mc:Choice>
-        <mc:Fallback>
+        <mc:Fallback xmlns="">
           <p:sp>
             <p:nvSpPr>
               <p:cNvPr id="21" name="TextBox 20">
@@ -5158,8 +5160,8 @@
           </a:p>
         </p:txBody>
       </p:sp>
-      <mc:AlternateContent xmlns:mc="http://schemas.openxmlformats.org/markup-compatibility/2006">
-        <mc:Choice xmlns:a14="http://schemas.microsoft.com/office/drawing/2010/main" Requires="a14">
+      <mc:AlternateContent xmlns:mc="http://schemas.openxmlformats.org/markup-compatibility/2006" xmlns:a14="http://schemas.microsoft.com/office/drawing/2010/main">
+        <mc:Choice Requires="a14">
           <p:sp>
             <p:nvSpPr>
               <p:cNvPr id="13" name="TextBox 12">
@@ -5338,16 +5340,7 @@
                               </a:solidFill>
                               <a:latin typeface="Cambria Math" panose="02040503050406030204" pitchFamily="18" charset="0"/>
                             </a:rPr>
-                            <m:t>𝐴</m:t>
-                          </m:r>
-                          <m:r>
-                            <a:rPr lang="en-US" sz="1400" b="0" i="1" smtClean="0">
-                              <a:solidFill>
-                                <a:srgbClr val="C00000"/>
-                              </a:solidFill>
-                              <a:latin typeface="Cambria Math" panose="02040503050406030204" pitchFamily="18" charset="0"/>
-                            </a:rPr>
-                            <m:t>𝑁</m:t>
+                            <m:t>𝐴𝑁</m:t>
                           </m:r>
                         </m:den>
                       </m:f>
@@ -5363,7 +5356,7 @@
             </p:txBody>
           </p:sp>
         </mc:Choice>
-        <mc:Fallback>
+        <mc:Fallback xmlns="">
           <p:sp>
             <p:nvSpPr>
               <p:cNvPr id="13" name="TextBox 12">
@@ -5408,8 +5401,8 @@
           </p:sp>
         </mc:Fallback>
       </mc:AlternateContent>
-      <mc:AlternateContent xmlns:mc="http://schemas.openxmlformats.org/markup-compatibility/2006">
-        <mc:Choice xmlns:a14="http://schemas.microsoft.com/office/drawing/2010/main" Requires="a14">
+      <mc:AlternateContent xmlns:mc="http://schemas.openxmlformats.org/markup-compatibility/2006" xmlns:a14="http://schemas.microsoft.com/office/drawing/2010/main">
+        <mc:Choice Requires="a14">
           <p:sp>
             <p:nvSpPr>
               <p:cNvPr id="14" name="TextBox 13">
@@ -5537,7 +5530,7 @@
             </p:txBody>
           </p:sp>
         </mc:Choice>
-        <mc:Fallback>
+        <mc:Fallback xmlns="">
           <p:sp>
             <p:nvSpPr>
               <p:cNvPr id="14" name="TextBox 13">
@@ -6259,8 +6252,8 @@
           </a:p>
         </p:txBody>
       </p:sp>
-      <mc:AlternateContent xmlns:mc="http://schemas.openxmlformats.org/markup-compatibility/2006">
-        <mc:Choice xmlns:a14="http://schemas.microsoft.com/office/drawing/2010/main" Requires="a14">
+      <mc:AlternateContent xmlns:mc="http://schemas.openxmlformats.org/markup-compatibility/2006" xmlns:a14="http://schemas.microsoft.com/office/drawing/2010/main">
+        <mc:Choice Requires="a14">
           <p:sp>
             <p:nvSpPr>
               <p:cNvPr id="4" name="Content Placeholder 3">
@@ -6307,7 +6300,7 @@
                         <m:d>
                           <m:dPr>
                             <m:ctrlPr>
-                              <a:rPr lang="en-US" b="0" i="0" smtClean="0">
+                              <a:rPr lang="en-US" b="0" i="1" smtClean="0">
                                 <a:latin typeface="Cambria Math" panose="02040503050406030204" pitchFamily="18" charset="0"/>
                               </a:rPr>
                             </m:ctrlPr>
@@ -6435,7 +6428,7 @@
             </p:txBody>
           </p:sp>
         </mc:Choice>
-        <mc:Fallback>
+        <mc:Fallback xmlns="">
           <p:sp>
             <p:nvSpPr>
               <p:cNvPr id="4" name="Content Placeholder 3">
@@ -6872,8 +6865,8 @@
           </a:p>
         </p:txBody>
       </p:sp>
-      <mc:AlternateContent xmlns:mc="http://schemas.openxmlformats.org/markup-compatibility/2006">
-        <mc:Choice xmlns:a14="http://schemas.microsoft.com/office/drawing/2010/main" Requires="a14">
+      <mc:AlternateContent xmlns:mc="http://schemas.openxmlformats.org/markup-compatibility/2006" xmlns:a14="http://schemas.microsoft.com/office/drawing/2010/main">
+        <mc:Choice Requires="a14">
           <p:sp>
             <p:nvSpPr>
               <p:cNvPr id="21" name="TextBox 20">
@@ -6987,7 +6980,7 @@
             </p:txBody>
           </p:sp>
         </mc:Choice>
-        <mc:Fallback>
+        <mc:Fallback xmlns="">
           <p:sp>
             <p:nvSpPr>
               <p:cNvPr id="21" name="TextBox 20">
@@ -7254,8 +7247,8 @@
           </a:p>
         </p:txBody>
       </p:sp>
-      <mc:AlternateContent xmlns:mc="http://schemas.openxmlformats.org/markup-compatibility/2006">
-        <mc:Choice xmlns:a14="http://schemas.microsoft.com/office/drawing/2010/main" Requires="a14">
+      <mc:AlternateContent xmlns:mc="http://schemas.openxmlformats.org/markup-compatibility/2006" xmlns:a14="http://schemas.microsoft.com/office/drawing/2010/main">
+        <mc:Choice Requires="a14">
           <p:sp>
             <p:nvSpPr>
               <p:cNvPr id="13" name="TextBox 12">
@@ -7434,16 +7427,7 @@
                               </a:solidFill>
                               <a:latin typeface="Cambria Math" panose="02040503050406030204" pitchFamily="18" charset="0"/>
                             </a:rPr>
-                            <m:t>𝐴</m:t>
-                          </m:r>
-                          <m:r>
-                            <a:rPr lang="en-US" sz="1400" b="0" i="1" smtClean="0">
-                              <a:solidFill>
-                                <a:srgbClr val="C00000"/>
-                              </a:solidFill>
-                              <a:latin typeface="Cambria Math" panose="02040503050406030204" pitchFamily="18" charset="0"/>
-                            </a:rPr>
-                            <m:t>𝑁</m:t>
+                            <m:t>𝐴𝑁</m:t>
                           </m:r>
                         </m:den>
                       </m:f>
@@ -7459,7 +7443,7 @@
             </p:txBody>
           </p:sp>
         </mc:Choice>
-        <mc:Fallback>
+        <mc:Fallback xmlns="">
           <p:sp>
             <p:nvSpPr>
               <p:cNvPr id="13" name="TextBox 12">
@@ -7504,8 +7488,8 @@
           </p:sp>
         </mc:Fallback>
       </mc:AlternateContent>
-      <mc:AlternateContent xmlns:mc="http://schemas.openxmlformats.org/markup-compatibility/2006">
-        <mc:Choice xmlns:a14="http://schemas.microsoft.com/office/drawing/2010/main" Requires="a14">
+      <mc:AlternateContent xmlns:mc="http://schemas.openxmlformats.org/markup-compatibility/2006" xmlns:a14="http://schemas.microsoft.com/office/drawing/2010/main">
+        <mc:Choice Requires="a14">
           <p:sp>
             <p:nvSpPr>
               <p:cNvPr id="14" name="TextBox 13">
@@ -7633,7 +7617,7 @@
             </p:txBody>
           </p:sp>
         </mc:Choice>
-        <mc:Fallback>
+        <mc:Fallback xmlns="">
           <p:sp>
             <p:nvSpPr>
               <p:cNvPr id="14" name="TextBox 13">
@@ -7925,8 +7909,8 @@
           </a:p>
         </p:txBody>
       </p:sp>
-      <mc:AlternateContent xmlns:mc="http://schemas.openxmlformats.org/markup-compatibility/2006">
-        <mc:Choice xmlns:a14="http://schemas.microsoft.com/office/drawing/2010/main" Requires="a14">
+      <mc:AlternateContent xmlns:mc="http://schemas.openxmlformats.org/markup-compatibility/2006" xmlns:a14="http://schemas.microsoft.com/office/drawing/2010/main">
+        <mc:Choice Requires="a14">
           <p:sp>
             <p:nvSpPr>
               <p:cNvPr id="22" name="TextBox 21">
@@ -8039,7 +8023,7 @@
             </p:txBody>
           </p:sp>
         </mc:Choice>
-        <mc:Fallback>
+        <mc:Fallback xmlns="">
           <p:sp>
             <p:nvSpPr>
               <p:cNvPr id="22" name="TextBox 21">
@@ -8172,8 +8156,8 @@
           </a:fontRef>
         </p:style>
       </p:cxnSp>
-      <mc:AlternateContent xmlns:mc="http://schemas.openxmlformats.org/markup-compatibility/2006">
-        <mc:Choice xmlns:a14="http://schemas.microsoft.com/office/drawing/2010/main" Requires="a14">
+      <mc:AlternateContent xmlns:mc="http://schemas.openxmlformats.org/markup-compatibility/2006" xmlns:a14="http://schemas.microsoft.com/office/drawing/2010/main">
+        <mc:Choice Requires="a14">
           <p:sp>
             <p:nvSpPr>
               <p:cNvPr id="25" name="TextBox 24">
@@ -8223,7 +8207,7 @@
             </p:txBody>
           </p:sp>
         </mc:Choice>
-        <mc:Fallback>
+        <mc:Fallback xmlns="">
           <p:sp>
             <p:nvSpPr>
               <p:cNvPr id="25" name="TextBox 24">
@@ -8268,8 +8252,8 @@
           </p:sp>
         </mc:Fallback>
       </mc:AlternateContent>
-      <mc:AlternateContent xmlns:mc="http://schemas.openxmlformats.org/markup-compatibility/2006">
-        <mc:Choice xmlns:a14="http://schemas.microsoft.com/office/drawing/2010/main" Requires="a14">
+      <mc:AlternateContent xmlns:mc="http://schemas.openxmlformats.org/markup-compatibility/2006" xmlns:a14="http://schemas.microsoft.com/office/drawing/2010/main">
+        <mc:Choice Requires="a14">
           <p:sp>
             <p:nvSpPr>
               <p:cNvPr id="26" name="TextBox 25">
@@ -8319,7 +8303,7 @@
             </p:txBody>
           </p:sp>
         </mc:Choice>
-        <mc:Fallback>
+        <mc:Fallback xmlns="">
           <p:sp>
             <p:nvSpPr>
               <p:cNvPr id="26" name="TextBox 25">
@@ -8364,8 +8348,8 @@
           </p:sp>
         </mc:Fallback>
       </mc:AlternateContent>
-      <mc:AlternateContent xmlns:mc="http://schemas.openxmlformats.org/markup-compatibility/2006">
-        <mc:Choice xmlns:a14="http://schemas.microsoft.com/office/drawing/2010/main" Requires="a14">
+      <mc:AlternateContent xmlns:mc="http://schemas.openxmlformats.org/markup-compatibility/2006" xmlns:a14="http://schemas.microsoft.com/office/drawing/2010/main">
+        <mc:Choice Requires="a14">
           <p:sp>
             <p:nvSpPr>
               <p:cNvPr id="27" name="TextBox 26">
@@ -8415,7 +8399,7 @@
             </p:txBody>
           </p:sp>
         </mc:Choice>
-        <mc:Fallback>
+        <mc:Fallback xmlns="">
           <p:sp>
             <p:nvSpPr>
               <p:cNvPr id="27" name="TextBox 26">
@@ -8460,8 +8444,8 @@
           </p:sp>
         </mc:Fallback>
       </mc:AlternateContent>
-      <mc:AlternateContent xmlns:mc="http://schemas.openxmlformats.org/markup-compatibility/2006">
-        <mc:Choice xmlns:a14="http://schemas.microsoft.com/office/drawing/2010/main" Requires="a14">
+      <mc:AlternateContent xmlns:mc="http://schemas.openxmlformats.org/markup-compatibility/2006" xmlns:a14="http://schemas.microsoft.com/office/drawing/2010/main">
+        <mc:Choice Requires="a14">
           <p:sp>
             <p:nvSpPr>
               <p:cNvPr id="28" name="TextBox 27">
@@ -8511,7 +8495,7 @@
             </p:txBody>
           </p:sp>
         </mc:Choice>
-        <mc:Fallback>
+        <mc:Fallback xmlns="">
           <p:sp>
             <p:nvSpPr>
               <p:cNvPr id="28" name="TextBox 27">
@@ -8685,8 +8669,8 @@
           </a:fontRef>
         </p:style>
       </p:cxnSp>
-      <mc:AlternateContent xmlns:mc="http://schemas.openxmlformats.org/markup-compatibility/2006">
-        <mc:Choice xmlns:a14="http://schemas.microsoft.com/office/drawing/2010/main" Requires="a14">
+      <mc:AlternateContent xmlns:mc="http://schemas.openxmlformats.org/markup-compatibility/2006" xmlns:a14="http://schemas.microsoft.com/office/drawing/2010/main">
+        <mc:Choice Requires="a14">
           <p:sp>
             <p:nvSpPr>
               <p:cNvPr id="32" name="TextBox 31">
@@ -8715,6 +8699,7 @@
               </a:bodyPr>
               <a:lstStyle/>
               <a:p>
+                <a:pPr/>
                 <a14:m>
                   <m:oMathPara xmlns:m="http://schemas.openxmlformats.org/officeDocument/2006/math">
                     <m:oMathParaPr>
@@ -8798,7 +8783,7 @@
             </p:txBody>
           </p:sp>
         </mc:Choice>
-        <mc:Fallback>
+        <mc:Fallback xmlns="">
           <p:sp>
             <p:nvSpPr>
               <p:cNvPr id="32" name="TextBox 31">
@@ -9750,8 +9735,8 @@
           </a:p>
         </p:txBody>
       </p:sp>
-      <mc:AlternateContent xmlns:mc="http://schemas.openxmlformats.org/markup-compatibility/2006">
-        <mc:Choice xmlns:a14="http://schemas.microsoft.com/office/drawing/2010/main" Requires="a14">
+      <mc:AlternateContent xmlns:mc="http://schemas.openxmlformats.org/markup-compatibility/2006" xmlns:a14="http://schemas.microsoft.com/office/drawing/2010/main">
+        <mc:Choice Requires="a14">
           <p:sp>
             <p:nvSpPr>
               <p:cNvPr id="4" name="Content Placeholder 3">
@@ -9922,7 +9907,7 @@
             </p:txBody>
           </p:sp>
         </mc:Choice>
-        <mc:Fallback>
+        <mc:Fallback xmlns="">
           <p:sp>
             <p:nvSpPr>
               <p:cNvPr id="4" name="Content Placeholder 3">
@@ -10359,8 +10344,8 @@
           </a:p>
         </p:txBody>
       </p:sp>
-      <mc:AlternateContent xmlns:mc="http://schemas.openxmlformats.org/markup-compatibility/2006">
-        <mc:Choice xmlns:a14="http://schemas.microsoft.com/office/drawing/2010/main" Requires="a14">
+      <mc:AlternateContent xmlns:mc="http://schemas.openxmlformats.org/markup-compatibility/2006" xmlns:a14="http://schemas.microsoft.com/office/drawing/2010/main">
+        <mc:Choice Requires="a14">
           <p:sp>
             <p:nvSpPr>
               <p:cNvPr id="21" name="TextBox 20">
@@ -10474,7 +10459,7 @@
             </p:txBody>
           </p:sp>
         </mc:Choice>
-        <mc:Fallback>
+        <mc:Fallback xmlns="">
           <p:sp>
             <p:nvSpPr>
               <p:cNvPr id="21" name="TextBox 20">
@@ -10741,8 +10726,8 @@
           </a:p>
         </p:txBody>
       </p:sp>
-      <mc:AlternateContent xmlns:mc="http://schemas.openxmlformats.org/markup-compatibility/2006">
-        <mc:Choice xmlns:a14="http://schemas.microsoft.com/office/drawing/2010/main" Requires="a14">
+      <mc:AlternateContent xmlns:mc="http://schemas.openxmlformats.org/markup-compatibility/2006" xmlns:a14="http://schemas.microsoft.com/office/drawing/2010/main">
+        <mc:Choice Requires="a14">
           <p:sp>
             <p:nvSpPr>
               <p:cNvPr id="13" name="TextBox 12">
@@ -10921,16 +10906,7 @@
                               </a:solidFill>
                               <a:latin typeface="Cambria Math" panose="02040503050406030204" pitchFamily="18" charset="0"/>
                             </a:rPr>
-                            <m:t>𝐴</m:t>
-                          </m:r>
-                          <m:r>
-                            <a:rPr lang="en-US" sz="1400" b="0" i="1" smtClean="0">
-                              <a:solidFill>
-                                <a:srgbClr val="C00000"/>
-                              </a:solidFill>
-                              <a:latin typeface="Cambria Math" panose="02040503050406030204" pitchFamily="18" charset="0"/>
-                            </a:rPr>
-                            <m:t>𝑁</m:t>
+                            <m:t>𝐴𝑁</m:t>
                           </m:r>
                         </m:den>
                       </m:f>
@@ -10946,7 +10922,7 @@
             </p:txBody>
           </p:sp>
         </mc:Choice>
-        <mc:Fallback>
+        <mc:Fallback xmlns="">
           <p:sp>
             <p:nvSpPr>
               <p:cNvPr id="13" name="TextBox 12">
@@ -10991,8 +10967,8 @@
           </p:sp>
         </mc:Fallback>
       </mc:AlternateContent>
-      <mc:AlternateContent xmlns:mc="http://schemas.openxmlformats.org/markup-compatibility/2006">
-        <mc:Choice xmlns:a14="http://schemas.microsoft.com/office/drawing/2010/main" Requires="a14">
+      <mc:AlternateContent xmlns:mc="http://schemas.openxmlformats.org/markup-compatibility/2006" xmlns:a14="http://schemas.microsoft.com/office/drawing/2010/main">
+        <mc:Choice Requires="a14">
           <p:sp>
             <p:nvSpPr>
               <p:cNvPr id="14" name="TextBox 13">
@@ -11120,7 +11096,7 @@
             </p:txBody>
           </p:sp>
         </mc:Choice>
-        <mc:Fallback>
+        <mc:Fallback xmlns="">
           <p:sp>
             <p:nvSpPr>
               <p:cNvPr id="14" name="TextBox 13">
@@ -11358,8 +11334,8 @@
           </a:p>
         </p:txBody>
       </p:sp>
-      <mc:AlternateContent xmlns:mc="http://schemas.openxmlformats.org/markup-compatibility/2006">
-        <mc:Choice xmlns:a14="http://schemas.microsoft.com/office/drawing/2010/main" Requires="a14">
+      <mc:AlternateContent xmlns:mc="http://schemas.openxmlformats.org/markup-compatibility/2006" xmlns:a14="http://schemas.microsoft.com/office/drawing/2010/main">
+        <mc:Choice Requires="a14">
           <p:sp>
             <p:nvSpPr>
               <p:cNvPr id="22" name="TextBox 21">
@@ -11458,7 +11434,7 @@
             </p:txBody>
           </p:sp>
         </mc:Choice>
-        <mc:Fallback>
+        <mc:Fallback xmlns="">
           <p:sp>
             <p:nvSpPr>
               <p:cNvPr id="22" name="TextBox 21">
@@ -12114,8 +12090,8 @@
           </a:p>
         </p:txBody>
       </p:sp>
-      <mc:AlternateContent xmlns:mc="http://schemas.openxmlformats.org/markup-compatibility/2006">
-        <mc:Choice xmlns:a14="http://schemas.microsoft.com/office/drawing/2010/main" Requires="a14">
+      <mc:AlternateContent xmlns:mc="http://schemas.openxmlformats.org/markup-compatibility/2006" xmlns:a14="http://schemas.microsoft.com/office/drawing/2010/main">
+        <mc:Choice Requires="a14">
           <p:sp>
             <p:nvSpPr>
               <p:cNvPr id="3" name="Content Placeholder 2">
@@ -12414,7 +12390,7 @@
             </p:txBody>
           </p:sp>
         </mc:Choice>
-        <mc:Fallback>
+        <mc:Fallback xmlns="">
           <p:sp>
             <p:nvSpPr>
               <p:cNvPr id="3" name="Content Placeholder 2">
@@ -12883,8 +12859,8 @@
           </a:p>
         </p:txBody>
       </p:sp>
-      <mc:AlternateContent xmlns:mc="http://schemas.openxmlformats.org/markup-compatibility/2006">
-        <mc:Choice xmlns:a14="http://schemas.microsoft.com/office/drawing/2010/main" Requires="a14">
+      <mc:AlternateContent xmlns:mc="http://schemas.openxmlformats.org/markup-compatibility/2006" xmlns:a14="http://schemas.microsoft.com/office/drawing/2010/main">
+        <mc:Choice Requires="a14">
           <p:sp>
             <p:nvSpPr>
               <p:cNvPr id="4" name="Content Placeholder 3">
@@ -13272,7 +13248,7 @@
             </p:txBody>
           </p:sp>
         </mc:Choice>
-        <mc:Fallback>
+        <mc:Fallback xmlns="">
           <p:sp>
             <p:nvSpPr>
               <p:cNvPr id="4" name="Content Placeholder 3">
@@ -13709,8 +13685,8 @@
           </a:p>
         </p:txBody>
       </p:sp>
-      <mc:AlternateContent xmlns:mc="http://schemas.openxmlformats.org/markup-compatibility/2006">
-        <mc:Choice xmlns:a14="http://schemas.microsoft.com/office/drawing/2010/main" Requires="a14">
+      <mc:AlternateContent xmlns:mc="http://schemas.openxmlformats.org/markup-compatibility/2006" xmlns:a14="http://schemas.microsoft.com/office/drawing/2010/main">
+        <mc:Choice Requires="a14">
           <p:sp>
             <p:nvSpPr>
               <p:cNvPr id="21" name="TextBox 20">
@@ -13824,7 +13800,7 @@
             </p:txBody>
           </p:sp>
         </mc:Choice>
-        <mc:Fallback>
+        <mc:Fallback xmlns="">
           <p:sp>
             <p:nvSpPr>
               <p:cNvPr id="21" name="TextBox 20">
@@ -14091,8 +14067,8 @@
           </a:p>
         </p:txBody>
       </p:sp>
-      <mc:AlternateContent xmlns:mc="http://schemas.openxmlformats.org/markup-compatibility/2006">
-        <mc:Choice xmlns:a14="http://schemas.microsoft.com/office/drawing/2010/main" Requires="a14">
+      <mc:AlternateContent xmlns:mc="http://schemas.openxmlformats.org/markup-compatibility/2006" xmlns:a14="http://schemas.microsoft.com/office/drawing/2010/main">
+        <mc:Choice Requires="a14">
           <p:sp>
             <p:nvSpPr>
               <p:cNvPr id="13" name="TextBox 12">
@@ -14271,16 +14247,7 @@
                               </a:solidFill>
                               <a:latin typeface="Cambria Math" panose="02040503050406030204" pitchFamily="18" charset="0"/>
                             </a:rPr>
-                            <m:t>𝐴</m:t>
-                          </m:r>
-                          <m:r>
-                            <a:rPr lang="en-US" sz="1400" b="0" i="1" smtClean="0">
-                              <a:solidFill>
-                                <a:srgbClr val="C00000"/>
-                              </a:solidFill>
-                              <a:latin typeface="Cambria Math" panose="02040503050406030204" pitchFamily="18" charset="0"/>
-                            </a:rPr>
-                            <m:t>𝑁</m:t>
+                            <m:t>𝐴𝑁</m:t>
                           </m:r>
                         </m:den>
                       </m:f>
@@ -14296,7 +14263,7 @@
             </p:txBody>
           </p:sp>
         </mc:Choice>
-        <mc:Fallback>
+        <mc:Fallback xmlns="">
           <p:sp>
             <p:nvSpPr>
               <p:cNvPr id="13" name="TextBox 12">
@@ -14341,8 +14308,8 @@
           </p:sp>
         </mc:Fallback>
       </mc:AlternateContent>
-      <mc:AlternateContent xmlns:mc="http://schemas.openxmlformats.org/markup-compatibility/2006">
-        <mc:Choice xmlns:a14="http://schemas.microsoft.com/office/drawing/2010/main" Requires="a14">
+      <mc:AlternateContent xmlns:mc="http://schemas.openxmlformats.org/markup-compatibility/2006" xmlns:a14="http://schemas.microsoft.com/office/drawing/2010/main">
+        <mc:Choice Requires="a14">
           <p:sp>
             <p:nvSpPr>
               <p:cNvPr id="14" name="TextBox 13">
@@ -14510,7 +14477,7 @@
             </p:txBody>
           </p:sp>
         </mc:Choice>
-        <mc:Fallback>
+        <mc:Fallback xmlns="">
           <p:sp>
             <p:nvSpPr>
               <p:cNvPr id="14" name="TextBox 13">
@@ -14748,8 +14715,8 @@
           </a:p>
         </p:txBody>
       </p:sp>
-      <mc:AlternateContent xmlns:mc="http://schemas.openxmlformats.org/markup-compatibility/2006">
-        <mc:Choice xmlns:a14="http://schemas.microsoft.com/office/drawing/2010/main" Requires="a14">
+      <mc:AlternateContent xmlns:mc="http://schemas.openxmlformats.org/markup-compatibility/2006" xmlns:a14="http://schemas.microsoft.com/office/drawing/2010/main">
+        <mc:Choice Requires="a14">
           <p:sp>
             <p:nvSpPr>
               <p:cNvPr id="22" name="TextBox 21">
@@ -14848,7 +14815,7 @@
             </p:txBody>
           </p:sp>
         </mc:Choice>
-        <mc:Fallback>
+        <mc:Fallback xmlns="">
           <p:sp>
             <p:nvSpPr>
               <p:cNvPr id="22" name="TextBox 21">
@@ -15074,8 +15041,8 @@
           </a:p>
         </p:txBody>
       </p:sp>
-      <mc:AlternateContent xmlns:mc="http://schemas.openxmlformats.org/markup-compatibility/2006">
-        <mc:Choice xmlns:a14="http://schemas.microsoft.com/office/drawing/2010/main" Requires="a14">
+      <mc:AlternateContent xmlns:mc="http://schemas.openxmlformats.org/markup-compatibility/2006" xmlns:a14="http://schemas.microsoft.com/office/drawing/2010/main">
+        <mc:Choice Requires="a14">
           <p:sp>
             <p:nvSpPr>
               <p:cNvPr id="25" name="TextBox 24">
@@ -15243,7 +15210,7 @@
             </p:txBody>
           </p:sp>
         </mc:Choice>
-        <mc:Fallback>
+        <mc:Fallback xmlns="">
           <p:sp>
             <p:nvSpPr>
               <p:cNvPr id="25" name="TextBox 24">
@@ -15481,8 +15448,8 @@
           </a:p>
         </p:txBody>
       </p:sp>
-      <mc:AlternateContent xmlns:mc="http://schemas.openxmlformats.org/markup-compatibility/2006">
-        <mc:Choice xmlns:a14="http://schemas.microsoft.com/office/drawing/2010/main" Requires="a14">
+      <mc:AlternateContent xmlns:mc="http://schemas.openxmlformats.org/markup-compatibility/2006" xmlns:a14="http://schemas.microsoft.com/office/drawing/2010/main">
+        <mc:Choice Requires="a14">
           <p:sp>
             <p:nvSpPr>
               <p:cNvPr id="30" name="TextBox 29">
@@ -15581,7 +15548,7 @@
             </p:txBody>
           </p:sp>
         </mc:Choice>
-        <mc:Fallback>
+        <mc:Fallback xmlns="">
           <p:sp>
             <p:nvSpPr>
               <p:cNvPr id="30" name="TextBox 29">
@@ -15846,8 +15813,8 @@
           </a:fontRef>
         </p:style>
       </p:cxnSp>
-      <mc:AlternateContent xmlns:mc="http://schemas.openxmlformats.org/markup-compatibility/2006">
-        <mc:Choice xmlns:a14="http://schemas.microsoft.com/office/drawing/2010/main" Requires="a14">
+      <mc:AlternateContent xmlns:mc="http://schemas.openxmlformats.org/markup-compatibility/2006" xmlns:a14="http://schemas.microsoft.com/office/drawing/2010/main">
+        <mc:Choice Requires="a14">
           <p:sp>
             <p:nvSpPr>
               <p:cNvPr id="38" name="TextBox 37">
@@ -15946,7 +15913,7 @@
             </p:txBody>
           </p:sp>
         </mc:Choice>
-        <mc:Fallback>
+        <mc:Fallback xmlns="">
           <p:sp>
             <p:nvSpPr>
               <p:cNvPr id="38" name="TextBox 37">
@@ -16034,8 +16001,8 @@
           </a:fontRef>
         </p:style>
       </p:cxnSp>
-      <mc:AlternateContent xmlns:mc="http://schemas.openxmlformats.org/markup-compatibility/2006">
-        <mc:Choice xmlns:a14="http://schemas.microsoft.com/office/drawing/2010/main" Requires="a14">
+      <mc:AlternateContent xmlns:mc="http://schemas.openxmlformats.org/markup-compatibility/2006" xmlns:a14="http://schemas.microsoft.com/office/drawing/2010/main">
+        <mc:Choice Requires="a14">
           <p:sp>
             <p:nvSpPr>
               <p:cNvPr id="41" name="TextBox 40">
@@ -16134,7 +16101,7 @@
             </p:txBody>
           </p:sp>
         </mc:Choice>
-        <mc:Fallback>
+        <mc:Fallback xmlns="">
           <p:sp>
             <p:nvSpPr>
               <p:cNvPr id="41" name="TextBox 40">
@@ -17314,8 +17281,8 @@
           </a:p>
         </p:txBody>
       </p:sp>
-      <mc:AlternateContent xmlns:mc="http://schemas.openxmlformats.org/markup-compatibility/2006">
-        <mc:Choice xmlns:a14="http://schemas.microsoft.com/office/drawing/2010/main" Requires="a14">
+      <mc:AlternateContent xmlns:mc="http://schemas.openxmlformats.org/markup-compatibility/2006" xmlns:a14="http://schemas.microsoft.com/office/drawing/2010/main">
+        <mc:Choice Requires="a14">
           <p:sp>
             <p:nvSpPr>
               <p:cNvPr id="4" name="Content Placeholder 3">
@@ -17442,7 +17409,7 @@
             </p:txBody>
           </p:sp>
         </mc:Choice>
-        <mc:Fallback>
+        <mc:Fallback xmlns="">
           <p:sp>
             <p:nvSpPr>
               <p:cNvPr id="4" name="Content Placeholder 3">
@@ -17669,8 +17636,8 @@
           </p:sp>
         </mc:Fallback>
       </mc:AlternateContent>
-      <mc:AlternateContent xmlns:mc="http://schemas.openxmlformats.org/markup-compatibility/2006">
-        <mc:Choice xmlns:a14="http://schemas.microsoft.com/office/drawing/2010/main" Requires="a14">
+      <mc:AlternateContent xmlns:mc="http://schemas.openxmlformats.org/markup-compatibility/2006" xmlns:a14="http://schemas.microsoft.com/office/drawing/2010/main">
+        <mc:Choice Requires="a14">
           <p:sp>
             <p:nvSpPr>
               <p:cNvPr id="12" name="TextBox 11">
@@ -17741,7 +17708,7 @@
             </p:txBody>
           </p:sp>
         </mc:Choice>
-        <mc:Fallback>
+        <mc:Fallback xmlns="">
           <p:sp>
             <p:nvSpPr>
               <p:cNvPr id="12" name="TextBox 11">
@@ -17956,8 +17923,8 @@
           </a:fontRef>
         </p:style>
       </p:cxnSp>
-      <mc:AlternateContent xmlns:mc="http://schemas.openxmlformats.org/markup-compatibility/2006">
-        <mc:Choice xmlns:a14="http://schemas.microsoft.com/office/drawing/2010/main" Requires="a14">
+      <mc:AlternateContent xmlns:mc="http://schemas.openxmlformats.org/markup-compatibility/2006" xmlns:a14="http://schemas.microsoft.com/office/drawing/2010/main">
+        <mc:Choice Requires="a14">
           <p:sp>
             <p:nvSpPr>
               <p:cNvPr id="19" name="TextBox 18">
@@ -18068,7 +18035,7 @@
             </p:txBody>
           </p:sp>
         </mc:Choice>
-        <mc:Fallback>
+        <mc:Fallback xmlns="">
           <p:sp>
             <p:nvSpPr>
               <p:cNvPr id="19" name="TextBox 18">
@@ -18113,8 +18080,8 @@
           </p:sp>
         </mc:Fallback>
       </mc:AlternateContent>
-      <mc:AlternateContent xmlns:mc="http://schemas.openxmlformats.org/markup-compatibility/2006">
-        <mc:Choice xmlns:a14="http://schemas.microsoft.com/office/drawing/2010/main" Requires="a14">
+      <mc:AlternateContent xmlns:mc="http://schemas.openxmlformats.org/markup-compatibility/2006" xmlns:a14="http://schemas.microsoft.com/office/drawing/2010/main">
+        <mc:Choice Requires="a14">
           <p:sp>
             <p:nvSpPr>
               <p:cNvPr id="20" name="TextBox 19">
@@ -18225,7 +18192,7 @@
             </p:txBody>
           </p:sp>
         </mc:Choice>
-        <mc:Fallback>
+        <mc:Fallback xmlns="">
           <p:sp>
             <p:nvSpPr>
               <p:cNvPr id="20" name="TextBox 19">
@@ -18831,8 +18798,8 @@
           </a:p>
         </p:txBody>
       </p:sp>
-      <mc:AlternateContent xmlns:mc="http://schemas.openxmlformats.org/markup-compatibility/2006">
-        <mc:Choice xmlns:a14="http://schemas.microsoft.com/office/drawing/2010/main" Requires="a14">
+      <mc:AlternateContent xmlns:mc="http://schemas.openxmlformats.org/markup-compatibility/2006" xmlns:a14="http://schemas.microsoft.com/office/drawing/2010/main">
+        <mc:Choice Requires="a14">
           <p:sp>
             <p:nvSpPr>
               <p:cNvPr id="4" name="Content Placeholder 3">
@@ -19024,7 +18991,7 @@
             </p:txBody>
           </p:sp>
         </mc:Choice>
-        <mc:Fallback>
+        <mc:Fallback xmlns="">
           <p:sp>
             <p:nvSpPr>
               <p:cNvPr id="4" name="Content Placeholder 3">
@@ -19251,8 +19218,8 @@
           </p:sp>
         </mc:Fallback>
       </mc:AlternateContent>
-      <mc:AlternateContent xmlns:mc="http://schemas.openxmlformats.org/markup-compatibility/2006">
-        <mc:Choice xmlns:a14="http://schemas.microsoft.com/office/drawing/2010/main" Requires="a14">
+      <mc:AlternateContent xmlns:mc="http://schemas.openxmlformats.org/markup-compatibility/2006" xmlns:a14="http://schemas.microsoft.com/office/drawing/2010/main">
+        <mc:Choice Requires="a14">
           <p:sp>
             <p:nvSpPr>
               <p:cNvPr id="12" name="TextBox 11">
@@ -19323,7 +19290,7 @@
             </p:txBody>
           </p:sp>
         </mc:Choice>
-        <mc:Fallback>
+        <mc:Fallback xmlns="">
           <p:sp>
             <p:nvSpPr>
               <p:cNvPr id="12" name="TextBox 11">
@@ -19871,8 +19838,8 @@
           </a:fontRef>
         </p:style>
       </p:cxnSp>
-      <mc:AlternateContent xmlns:mc="http://schemas.openxmlformats.org/markup-compatibility/2006">
-        <mc:Choice xmlns:a14="http://schemas.microsoft.com/office/drawing/2010/main" Requires="a14">
+      <mc:AlternateContent xmlns:mc="http://schemas.openxmlformats.org/markup-compatibility/2006" xmlns:a14="http://schemas.microsoft.com/office/drawing/2010/main">
+        <mc:Choice Requires="a14">
           <p:sp>
             <p:nvSpPr>
               <p:cNvPr id="19" name="TextBox 18">
@@ -19983,7 +19950,7 @@
             </p:txBody>
           </p:sp>
         </mc:Choice>
-        <mc:Fallback>
+        <mc:Fallback xmlns="">
           <p:sp>
             <p:nvSpPr>
               <p:cNvPr id="19" name="TextBox 18">
@@ -20028,8 +19995,8 @@
           </p:sp>
         </mc:Fallback>
       </mc:AlternateContent>
-      <mc:AlternateContent xmlns:mc="http://schemas.openxmlformats.org/markup-compatibility/2006">
-        <mc:Choice xmlns:a14="http://schemas.microsoft.com/office/drawing/2010/main" Requires="a14">
+      <mc:AlternateContent xmlns:mc="http://schemas.openxmlformats.org/markup-compatibility/2006" xmlns:a14="http://schemas.microsoft.com/office/drawing/2010/main">
+        <mc:Choice Requires="a14">
           <p:sp>
             <p:nvSpPr>
               <p:cNvPr id="20" name="TextBox 19">
@@ -20140,7 +20107,7 @@
             </p:txBody>
           </p:sp>
         </mc:Choice>
-        <mc:Fallback>
+        <mc:Fallback xmlns="">
           <p:sp>
             <p:nvSpPr>
               <p:cNvPr id="20" name="TextBox 19">
@@ -20636,8 +20603,8 @@
           </a:p>
         </p:txBody>
       </p:sp>
-      <mc:AlternateContent xmlns:mc="http://schemas.openxmlformats.org/markup-compatibility/2006">
-        <mc:Choice xmlns:a14="http://schemas.microsoft.com/office/drawing/2010/main" Requires="a14">
+      <mc:AlternateContent xmlns:mc="http://schemas.openxmlformats.org/markup-compatibility/2006" xmlns:a14="http://schemas.microsoft.com/office/drawing/2010/main">
+        <mc:Choice Requires="a14">
           <p:sp>
             <p:nvSpPr>
               <p:cNvPr id="3" name="Content Placeholder 2">
@@ -20800,7 +20767,7 @@
             </p:txBody>
           </p:sp>
         </mc:Choice>
-        <mc:Fallback>
+        <mc:Fallback xmlns="">
           <p:sp>
             <p:nvSpPr>
               <p:cNvPr id="3" name="Content Placeholder 2">
@@ -24564,6 +24531,923 @@
   <p:clrMapOvr>
     <a:masterClrMapping/>
   </p:clrMapOvr>
+</p:sld>
+</file>
+
+<file path=ppt/slides/slide25.xml><?xml version="1.0" encoding="utf-8"?>
+<p:sld xmlns:a="http://schemas.openxmlformats.org/drawingml/2006/main" xmlns:r="http://schemas.openxmlformats.org/officeDocument/2006/relationships" xmlns:p="http://schemas.openxmlformats.org/presentationml/2006/main">
+  <p:cSld>
+    <p:spTree>
+      <p:nvGrpSpPr>
+        <p:cNvPr id="1" name=""/>
+        <p:cNvGrpSpPr/>
+        <p:nvPr/>
+      </p:nvGrpSpPr>
+      <p:grpSpPr>
+        <a:xfrm>
+          <a:off x="0" y="0"/>
+          <a:ext cx="0" cy="0"/>
+          <a:chOff x="0" y="0"/>
+          <a:chExt cx="0" cy="0"/>
+        </a:xfrm>
+      </p:grpSpPr>
+      <p:sp>
+        <p:nvSpPr>
+          <p:cNvPr id="2" name="Title 1">
+            <a:extLst>
+              <a:ext uri="{FF2B5EF4-FFF2-40B4-BE49-F238E27FC236}">
+                <a16:creationId xmlns:a16="http://schemas.microsoft.com/office/drawing/2014/main" id="{178D0DE5-D33E-A92C-9B21-3856B8688E34}"/>
+              </a:ext>
+            </a:extLst>
+          </p:cNvPr>
+          <p:cNvSpPr>
+            <a:spLocks noGrp="1"/>
+          </p:cNvSpPr>
+          <p:nvPr>
+            <p:ph type="title"/>
+          </p:nvPr>
+        </p:nvSpPr>
+        <p:spPr/>
+        <p:txBody>
+          <a:bodyPr>
+            <a:normAutofit/>
+          </a:bodyPr>
+          <a:lstStyle/>
+          <a:p>
+            <a:r>
+              <a:rPr lang="en-US" sz="3500" dirty="0"/>
+              <a:t>Measuring Technological Progress</a:t>
+            </a:r>
+          </a:p>
+        </p:txBody>
+      </p:sp>
+      <p:sp>
+        <p:nvSpPr>
+          <p:cNvPr id="3" name="Content Placeholder 2">
+            <a:extLst>
+              <a:ext uri="{FF2B5EF4-FFF2-40B4-BE49-F238E27FC236}">
+                <a16:creationId xmlns:a16="http://schemas.microsoft.com/office/drawing/2014/main" id="{DA08D1EA-85F5-8CED-8151-3AE00113E2C8}"/>
+              </a:ext>
+            </a:extLst>
+          </p:cNvPr>
+          <p:cNvSpPr>
+            <a:spLocks noGrp="1"/>
+          </p:cNvSpPr>
+          <p:nvPr>
+            <p:ph idx="1"/>
+          </p:nvPr>
+        </p:nvSpPr>
+        <p:spPr>
+          <a:xfrm>
+            <a:off x="628650" y="1825625"/>
+            <a:ext cx="8030158" cy="4351338"/>
+          </a:xfrm>
+        </p:spPr>
+        <p:txBody>
+          <a:bodyPr>
+            <a:normAutofit/>
+          </a:bodyPr>
+          <a:lstStyle/>
+          <a:p>
+            <a:r>
+              <a:rPr lang="en-US" dirty="0"/>
+              <a:t>Technological progress is in practice not easily quantifiable.</a:t>
+            </a:r>
+          </a:p>
+          <a:p>
+            <a:pPr lvl="3"/>
+            <a:endParaRPr lang="en-US" dirty="0"/>
+          </a:p>
+          <a:p>
+            <a:r>
+              <a:rPr lang="en-US" dirty="0"/>
+              <a:t>The number of new patents, or the number of academic publications can be a proxy measure.</a:t>
+            </a:r>
+          </a:p>
+          <a:p>
+            <a:pPr lvl="3"/>
+            <a:endParaRPr lang="en-US" dirty="0"/>
+          </a:p>
+          <a:p>
+            <a:r>
+              <a:rPr lang="en-US" dirty="0"/>
+              <a:t>One measure economists use to calculate technological progress is called the “Solow Residual,” or “Total Factor Productivity (TFP).”</a:t>
+            </a:r>
+          </a:p>
+          <a:p>
+            <a:pPr lvl="3"/>
+            <a:endParaRPr lang="en-US" dirty="0"/>
+          </a:p>
+          <a:p>
+            <a:r>
+              <a:rPr lang="en-US" dirty="0"/>
+              <a:t>Sparing the details, the Solow Residual is the “the amount of output growth that cannot be accounted for by known factors of production.”</a:t>
+            </a:r>
+          </a:p>
+        </p:txBody>
+      </p:sp>
+      <p:sp>
+        <p:nvSpPr>
+          <p:cNvPr id="4" name="Date Placeholder 3">
+            <a:extLst>
+              <a:ext uri="{FF2B5EF4-FFF2-40B4-BE49-F238E27FC236}">
+                <a16:creationId xmlns:a16="http://schemas.microsoft.com/office/drawing/2014/main" id="{D8616FF1-C04F-8884-49F5-8AE770347DE4}"/>
+              </a:ext>
+            </a:extLst>
+          </p:cNvPr>
+          <p:cNvSpPr>
+            <a:spLocks noGrp="1"/>
+          </p:cNvSpPr>
+          <p:nvPr>
+            <p:ph type="dt" sz="half" idx="10"/>
+          </p:nvPr>
+        </p:nvSpPr>
+        <p:spPr/>
+        <p:txBody>
+          <a:bodyPr/>
+          <a:lstStyle/>
+          <a:p>
+            <a:r>
+              <a:rPr lang="en-US"/>
+              <a:t>Spring 2024</a:t>
+            </a:r>
+            <a:endParaRPr lang="en-US" dirty="0"/>
+          </a:p>
+        </p:txBody>
+      </p:sp>
+      <p:sp>
+        <p:nvSpPr>
+          <p:cNvPr id="5" name="Footer Placeholder 4">
+            <a:extLst>
+              <a:ext uri="{FF2B5EF4-FFF2-40B4-BE49-F238E27FC236}">
+                <a16:creationId xmlns:a16="http://schemas.microsoft.com/office/drawing/2014/main" id="{C71736C3-E34E-4095-00DC-83C4E2E74246}"/>
+              </a:ext>
+            </a:extLst>
+          </p:cNvPr>
+          <p:cNvSpPr>
+            <a:spLocks noGrp="1"/>
+          </p:cNvSpPr>
+          <p:nvPr>
+            <p:ph type="ftr" sz="quarter" idx="11"/>
+          </p:nvPr>
+        </p:nvSpPr>
+        <p:spPr/>
+        <p:txBody>
+          <a:bodyPr/>
+          <a:lstStyle/>
+          <a:p>
+            <a:r>
+              <a:rPr lang="en-US"/>
+              <a:t>DEPARTMENT OF BUSINESS &amp; ECONOMICS</a:t>
+            </a:r>
+            <a:endParaRPr lang="en-US" dirty="0"/>
+          </a:p>
+        </p:txBody>
+      </p:sp>
+      <p:sp>
+        <p:nvSpPr>
+          <p:cNvPr id="6" name="Slide Number Placeholder 5">
+            <a:extLst>
+              <a:ext uri="{FF2B5EF4-FFF2-40B4-BE49-F238E27FC236}">
+                <a16:creationId xmlns:a16="http://schemas.microsoft.com/office/drawing/2014/main" id="{8CCE0905-9360-98E9-A7B4-631D69CB3385}"/>
+              </a:ext>
+            </a:extLst>
+          </p:cNvPr>
+          <p:cNvSpPr>
+            <a:spLocks noGrp="1"/>
+          </p:cNvSpPr>
+          <p:nvPr>
+            <p:ph type="sldNum" sz="quarter" idx="12"/>
+          </p:nvPr>
+        </p:nvSpPr>
+        <p:spPr/>
+        <p:txBody>
+          <a:bodyPr/>
+          <a:lstStyle/>
+          <a:p>
+            <a:fld id="{1A980C56-831A-4EAB-9EDE-57C090F4F877}" type="slidenum">
+              <a:rPr lang="en-US" smtClean="0"/>
+              <a:t>25</a:t>
+            </a:fld>
+            <a:endParaRPr lang="en-US" dirty="0"/>
+          </a:p>
+        </p:txBody>
+      </p:sp>
+    </p:spTree>
+    <p:extLst>
+      <p:ext uri="{BB962C8B-B14F-4D97-AF65-F5344CB8AC3E}">
+        <p14:creationId xmlns:p14="http://schemas.microsoft.com/office/powerpoint/2010/main" val="1206875367"/>
+      </p:ext>
+    </p:extLst>
+  </p:cSld>
+  <p:clrMapOvr>
+    <a:masterClrMapping/>
+  </p:clrMapOvr>
+  <p:timing>
+    <p:tnLst>
+      <p:par>
+        <p:cTn id="1" dur="indefinite" restart="never" nodeType="tmRoot">
+          <p:childTnLst>
+            <p:seq concurrent="1" nextAc="seek">
+              <p:cTn id="2" dur="indefinite" nodeType="mainSeq">
+                <p:childTnLst>
+                  <p:par>
+                    <p:cTn id="3" fill="hold">
+                      <p:stCondLst>
+                        <p:cond delay="indefinite"/>
+                        <p:cond evt="onBegin" delay="0">
+                          <p:tn val="2"/>
+                        </p:cond>
+                      </p:stCondLst>
+                      <p:childTnLst>
+                        <p:par>
+                          <p:cTn id="4" fill="hold">
+                            <p:stCondLst>
+                              <p:cond delay="0"/>
+                            </p:stCondLst>
+                            <p:childTnLst>
+                              <p:par>
+                                <p:cTn id="5" presetID="10" presetClass="entr" presetSubtype="0" fill="hold" grpId="0" nodeType="withEffect">
+                                  <p:stCondLst>
+                                    <p:cond delay="0"/>
+                                  </p:stCondLst>
+                                  <p:childTnLst>
+                                    <p:set>
+                                      <p:cBhvr>
+                                        <p:cTn id="6" dur="1" fill="hold">
+                                          <p:stCondLst>
+                                            <p:cond delay="0"/>
+                                          </p:stCondLst>
+                                        </p:cTn>
+                                        <p:tgtEl>
+                                          <p:spTgt spid="3">
+                                            <p:txEl>
+                                              <p:pRg st="0" end="0"/>
+                                            </p:txEl>
+                                          </p:spTgt>
+                                        </p:tgtEl>
+                                        <p:attrNameLst>
+                                          <p:attrName>style.visibility</p:attrName>
+                                        </p:attrNameLst>
+                                      </p:cBhvr>
+                                      <p:to>
+                                        <p:strVal val="visible"/>
+                                      </p:to>
+                                    </p:set>
+                                    <p:animEffect transition="in" filter="fade">
+                                      <p:cBhvr>
+                                        <p:cTn id="7" dur="500"/>
+                                        <p:tgtEl>
+                                          <p:spTgt spid="3">
+                                            <p:txEl>
+                                              <p:pRg st="0" end="0"/>
+                                            </p:txEl>
+                                          </p:spTgt>
+                                        </p:tgtEl>
+                                      </p:cBhvr>
+                                    </p:animEffect>
+                                  </p:childTnLst>
+                                </p:cTn>
+                              </p:par>
+                            </p:childTnLst>
+                          </p:cTn>
+                        </p:par>
+                      </p:childTnLst>
+                    </p:cTn>
+                  </p:par>
+                  <p:par>
+                    <p:cTn id="8" fill="hold">
+                      <p:stCondLst>
+                        <p:cond delay="indefinite"/>
+                      </p:stCondLst>
+                      <p:childTnLst>
+                        <p:par>
+                          <p:cTn id="9" fill="hold">
+                            <p:stCondLst>
+                              <p:cond delay="0"/>
+                            </p:stCondLst>
+                            <p:childTnLst>
+                              <p:par>
+                                <p:cTn id="10" presetID="10" presetClass="entr" presetSubtype="0" fill="hold" grpId="0" nodeType="clickEffect">
+                                  <p:stCondLst>
+                                    <p:cond delay="0"/>
+                                  </p:stCondLst>
+                                  <p:childTnLst>
+                                    <p:set>
+                                      <p:cBhvr>
+                                        <p:cTn id="11" dur="1" fill="hold">
+                                          <p:stCondLst>
+                                            <p:cond delay="0"/>
+                                          </p:stCondLst>
+                                        </p:cTn>
+                                        <p:tgtEl>
+                                          <p:spTgt spid="3">
+                                            <p:txEl>
+                                              <p:pRg st="2" end="2"/>
+                                            </p:txEl>
+                                          </p:spTgt>
+                                        </p:tgtEl>
+                                        <p:attrNameLst>
+                                          <p:attrName>style.visibility</p:attrName>
+                                        </p:attrNameLst>
+                                      </p:cBhvr>
+                                      <p:to>
+                                        <p:strVal val="visible"/>
+                                      </p:to>
+                                    </p:set>
+                                    <p:animEffect transition="in" filter="fade">
+                                      <p:cBhvr>
+                                        <p:cTn id="12" dur="500"/>
+                                        <p:tgtEl>
+                                          <p:spTgt spid="3">
+                                            <p:txEl>
+                                              <p:pRg st="2" end="2"/>
+                                            </p:txEl>
+                                          </p:spTgt>
+                                        </p:tgtEl>
+                                      </p:cBhvr>
+                                    </p:animEffect>
+                                  </p:childTnLst>
+                                </p:cTn>
+                              </p:par>
+                            </p:childTnLst>
+                          </p:cTn>
+                        </p:par>
+                      </p:childTnLst>
+                    </p:cTn>
+                  </p:par>
+                  <p:par>
+                    <p:cTn id="13" fill="hold">
+                      <p:stCondLst>
+                        <p:cond delay="indefinite"/>
+                      </p:stCondLst>
+                      <p:childTnLst>
+                        <p:par>
+                          <p:cTn id="14" fill="hold">
+                            <p:stCondLst>
+                              <p:cond delay="0"/>
+                            </p:stCondLst>
+                            <p:childTnLst>
+                              <p:par>
+                                <p:cTn id="15" presetID="10" presetClass="entr" presetSubtype="0" fill="hold" grpId="0" nodeType="clickEffect">
+                                  <p:stCondLst>
+                                    <p:cond delay="0"/>
+                                  </p:stCondLst>
+                                  <p:childTnLst>
+                                    <p:set>
+                                      <p:cBhvr>
+                                        <p:cTn id="16" dur="1" fill="hold">
+                                          <p:stCondLst>
+                                            <p:cond delay="0"/>
+                                          </p:stCondLst>
+                                        </p:cTn>
+                                        <p:tgtEl>
+                                          <p:spTgt spid="3">
+                                            <p:txEl>
+                                              <p:pRg st="4" end="4"/>
+                                            </p:txEl>
+                                          </p:spTgt>
+                                        </p:tgtEl>
+                                        <p:attrNameLst>
+                                          <p:attrName>style.visibility</p:attrName>
+                                        </p:attrNameLst>
+                                      </p:cBhvr>
+                                      <p:to>
+                                        <p:strVal val="visible"/>
+                                      </p:to>
+                                    </p:set>
+                                    <p:animEffect transition="in" filter="fade">
+                                      <p:cBhvr>
+                                        <p:cTn id="17" dur="500"/>
+                                        <p:tgtEl>
+                                          <p:spTgt spid="3">
+                                            <p:txEl>
+                                              <p:pRg st="4" end="4"/>
+                                            </p:txEl>
+                                          </p:spTgt>
+                                        </p:tgtEl>
+                                      </p:cBhvr>
+                                    </p:animEffect>
+                                  </p:childTnLst>
+                                </p:cTn>
+                              </p:par>
+                            </p:childTnLst>
+                          </p:cTn>
+                        </p:par>
+                      </p:childTnLst>
+                    </p:cTn>
+                  </p:par>
+                  <p:par>
+                    <p:cTn id="18" fill="hold">
+                      <p:stCondLst>
+                        <p:cond delay="indefinite"/>
+                      </p:stCondLst>
+                      <p:childTnLst>
+                        <p:par>
+                          <p:cTn id="19" fill="hold">
+                            <p:stCondLst>
+                              <p:cond delay="0"/>
+                            </p:stCondLst>
+                            <p:childTnLst>
+                              <p:par>
+                                <p:cTn id="20" presetID="10" presetClass="entr" presetSubtype="0" fill="hold" grpId="0" nodeType="clickEffect">
+                                  <p:stCondLst>
+                                    <p:cond delay="0"/>
+                                  </p:stCondLst>
+                                  <p:childTnLst>
+                                    <p:set>
+                                      <p:cBhvr>
+                                        <p:cTn id="21" dur="1" fill="hold">
+                                          <p:stCondLst>
+                                            <p:cond delay="0"/>
+                                          </p:stCondLst>
+                                        </p:cTn>
+                                        <p:tgtEl>
+                                          <p:spTgt spid="3">
+                                            <p:txEl>
+                                              <p:pRg st="6" end="6"/>
+                                            </p:txEl>
+                                          </p:spTgt>
+                                        </p:tgtEl>
+                                        <p:attrNameLst>
+                                          <p:attrName>style.visibility</p:attrName>
+                                        </p:attrNameLst>
+                                      </p:cBhvr>
+                                      <p:to>
+                                        <p:strVal val="visible"/>
+                                      </p:to>
+                                    </p:set>
+                                    <p:animEffect transition="in" filter="fade">
+                                      <p:cBhvr>
+                                        <p:cTn id="22" dur="500"/>
+                                        <p:tgtEl>
+                                          <p:spTgt spid="3">
+                                            <p:txEl>
+                                              <p:pRg st="6" end="6"/>
+                                            </p:txEl>
+                                          </p:spTgt>
+                                        </p:tgtEl>
+                                      </p:cBhvr>
+                                    </p:animEffect>
+                                  </p:childTnLst>
+                                </p:cTn>
+                              </p:par>
+                            </p:childTnLst>
+                          </p:cTn>
+                        </p:par>
+                      </p:childTnLst>
+                    </p:cTn>
+                  </p:par>
+                </p:childTnLst>
+              </p:cTn>
+              <p:prevCondLst>
+                <p:cond evt="onPrev" delay="0">
+                  <p:tgtEl>
+                    <p:sldTgt/>
+                  </p:tgtEl>
+                </p:cond>
+              </p:prevCondLst>
+              <p:nextCondLst>
+                <p:cond evt="onNext" delay="0">
+                  <p:tgtEl>
+                    <p:sldTgt/>
+                  </p:tgtEl>
+                </p:cond>
+              </p:nextCondLst>
+            </p:seq>
+          </p:childTnLst>
+        </p:cTn>
+      </p:par>
+    </p:tnLst>
+    <p:bldLst>
+      <p:bldP spid="3" grpId="0" uiExpand="1" build="p"/>
+    </p:bldLst>
+  </p:timing>
+</p:sld>
+</file>
+
+<file path=ppt/slides/slide26.xml><?xml version="1.0" encoding="utf-8"?>
+<p:sld xmlns:a="http://schemas.openxmlformats.org/drawingml/2006/main" xmlns:r="http://schemas.openxmlformats.org/officeDocument/2006/relationships" xmlns:p="http://schemas.openxmlformats.org/presentationml/2006/main">
+  <p:cSld>
+    <p:spTree>
+      <p:nvGrpSpPr>
+        <p:cNvPr id="1" name=""/>
+        <p:cNvGrpSpPr/>
+        <p:nvPr/>
+      </p:nvGrpSpPr>
+      <p:grpSpPr>
+        <a:xfrm>
+          <a:off x="0" y="0"/>
+          <a:ext cx="0" cy="0"/>
+          <a:chOff x="0" y="0"/>
+          <a:chExt cx="0" cy="0"/>
+        </a:xfrm>
+      </p:grpSpPr>
+      <p:sp>
+        <p:nvSpPr>
+          <p:cNvPr id="2" name="Title 1">
+            <a:extLst>
+              <a:ext uri="{FF2B5EF4-FFF2-40B4-BE49-F238E27FC236}">
+                <a16:creationId xmlns:a16="http://schemas.microsoft.com/office/drawing/2014/main" id="{178D0DE5-D33E-A92C-9B21-3856B8688E34}"/>
+              </a:ext>
+            </a:extLst>
+          </p:cNvPr>
+          <p:cNvSpPr>
+            <a:spLocks noGrp="1"/>
+          </p:cNvSpPr>
+          <p:nvPr>
+            <p:ph type="title"/>
+          </p:nvPr>
+        </p:nvSpPr>
+        <p:spPr/>
+        <p:txBody>
+          <a:bodyPr>
+            <a:normAutofit/>
+          </a:bodyPr>
+          <a:lstStyle/>
+          <a:p>
+            <a:r>
+              <a:rPr lang="en-US" sz="3500" dirty="0"/>
+              <a:t>Measuring Technological Progress</a:t>
+            </a:r>
+          </a:p>
+        </p:txBody>
+      </p:sp>
+      <p:sp>
+        <p:nvSpPr>
+          <p:cNvPr id="3" name="Content Placeholder 2">
+            <a:extLst>
+              <a:ext uri="{FF2B5EF4-FFF2-40B4-BE49-F238E27FC236}">
+                <a16:creationId xmlns:a16="http://schemas.microsoft.com/office/drawing/2014/main" id="{DA08D1EA-85F5-8CED-8151-3AE00113E2C8}"/>
+              </a:ext>
+            </a:extLst>
+          </p:cNvPr>
+          <p:cNvSpPr>
+            <a:spLocks noGrp="1"/>
+          </p:cNvSpPr>
+          <p:nvPr>
+            <p:ph idx="1"/>
+          </p:nvPr>
+        </p:nvSpPr>
+        <p:spPr>
+          <a:xfrm>
+            <a:off x="628650" y="1825625"/>
+            <a:ext cx="7955513" cy="4351338"/>
+          </a:xfrm>
+        </p:spPr>
+        <p:txBody>
+          <a:bodyPr>
+            <a:normAutofit/>
+          </a:bodyPr>
+          <a:lstStyle/>
+          <a:p>
+            <a:r>
+              <a:rPr lang="en-US" dirty="0"/>
+              <a:t>For instance, suppose that an economy experienced a 7% growth of output over some period.</a:t>
+            </a:r>
+          </a:p>
+          <a:p>
+            <a:pPr lvl="3"/>
+            <a:endParaRPr lang="en-US" dirty="0"/>
+          </a:p>
+          <a:p>
+            <a:r>
+              <a:rPr lang="en-US" dirty="0"/>
+              <a:t>Economists then measured the growth of labor and capital to be 4.5% over the same period.</a:t>
+            </a:r>
+          </a:p>
+          <a:p>
+            <a:pPr lvl="3"/>
+            <a:endParaRPr lang="en-US" dirty="0"/>
+          </a:p>
+          <a:p>
+            <a:r>
+              <a:rPr lang="en-US" dirty="0"/>
+              <a:t>The Solow Residual, which is the rate of TFP growth, which is also the rate of technological progress, would be 3.5%.</a:t>
+            </a:r>
+          </a:p>
+          <a:p>
+            <a:pPr lvl="3"/>
+            <a:endParaRPr lang="en-US" dirty="0"/>
+          </a:p>
+        </p:txBody>
+      </p:sp>
+      <p:sp>
+        <p:nvSpPr>
+          <p:cNvPr id="4" name="Date Placeholder 3">
+            <a:extLst>
+              <a:ext uri="{FF2B5EF4-FFF2-40B4-BE49-F238E27FC236}">
+                <a16:creationId xmlns:a16="http://schemas.microsoft.com/office/drawing/2014/main" id="{D8616FF1-C04F-8884-49F5-8AE770347DE4}"/>
+              </a:ext>
+            </a:extLst>
+          </p:cNvPr>
+          <p:cNvSpPr>
+            <a:spLocks noGrp="1"/>
+          </p:cNvSpPr>
+          <p:nvPr>
+            <p:ph type="dt" sz="half" idx="10"/>
+          </p:nvPr>
+        </p:nvSpPr>
+        <p:spPr/>
+        <p:txBody>
+          <a:bodyPr/>
+          <a:lstStyle/>
+          <a:p>
+            <a:r>
+              <a:rPr lang="en-US"/>
+              <a:t>Spring 2024</a:t>
+            </a:r>
+            <a:endParaRPr lang="en-US" dirty="0"/>
+          </a:p>
+        </p:txBody>
+      </p:sp>
+      <p:sp>
+        <p:nvSpPr>
+          <p:cNvPr id="5" name="Footer Placeholder 4">
+            <a:extLst>
+              <a:ext uri="{FF2B5EF4-FFF2-40B4-BE49-F238E27FC236}">
+                <a16:creationId xmlns:a16="http://schemas.microsoft.com/office/drawing/2014/main" id="{C71736C3-E34E-4095-00DC-83C4E2E74246}"/>
+              </a:ext>
+            </a:extLst>
+          </p:cNvPr>
+          <p:cNvSpPr>
+            <a:spLocks noGrp="1"/>
+          </p:cNvSpPr>
+          <p:nvPr>
+            <p:ph type="ftr" sz="quarter" idx="11"/>
+          </p:nvPr>
+        </p:nvSpPr>
+        <p:spPr/>
+        <p:txBody>
+          <a:bodyPr/>
+          <a:lstStyle/>
+          <a:p>
+            <a:r>
+              <a:rPr lang="en-US"/>
+              <a:t>DEPARTMENT OF BUSINESS &amp; ECONOMICS</a:t>
+            </a:r>
+            <a:endParaRPr lang="en-US" dirty="0"/>
+          </a:p>
+        </p:txBody>
+      </p:sp>
+      <p:sp>
+        <p:nvSpPr>
+          <p:cNvPr id="6" name="Slide Number Placeholder 5">
+            <a:extLst>
+              <a:ext uri="{FF2B5EF4-FFF2-40B4-BE49-F238E27FC236}">
+                <a16:creationId xmlns:a16="http://schemas.microsoft.com/office/drawing/2014/main" id="{8CCE0905-9360-98E9-A7B4-631D69CB3385}"/>
+              </a:ext>
+            </a:extLst>
+          </p:cNvPr>
+          <p:cNvSpPr>
+            <a:spLocks noGrp="1"/>
+          </p:cNvSpPr>
+          <p:nvPr>
+            <p:ph type="sldNum" sz="quarter" idx="12"/>
+          </p:nvPr>
+        </p:nvSpPr>
+        <p:spPr/>
+        <p:txBody>
+          <a:bodyPr/>
+          <a:lstStyle/>
+          <a:p>
+            <a:fld id="{1A980C56-831A-4EAB-9EDE-57C090F4F877}" type="slidenum">
+              <a:rPr lang="en-US" smtClean="0"/>
+              <a:t>26</a:t>
+            </a:fld>
+            <a:endParaRPr lang="en-US" dirty="0"/>
+          </a:p>
+        </p:txBody>
+      </p:sp>
+    </p:spTree>
+    <p:extLst>
+      <p:ext uri="{BB962C8B-B14F-4D97-AF65-F5344CB8AC3E}">
+        <p14:creationId xmlns:p14="http://schemas.microsoft.com/office/powerpoint/2010/main" val="3550225477"/>
+      </p:ext>
+    </p:extLst>
+  </p:cSld>
+  <p:clrMapOvr>
+    <a:masterClrMapping/>
+  </p:clrMapOvr>
+  <p:timing>
+    <p:tnLst>
+      <p:par>
+        <p:cTn id="1" dur="indefinite" restart="never" nodeType="tmRoot">
+          <p:childTnLst>
+            <p:seq concurrent="1" nextAc="seek">
+              <p:cTn id="2" dur="indefinite" nodeType="mainSeq">
+                <p:childTnLst>
+                  <p:par>
+                    <p:cTn id="3" fill="hold">
+                      <p:stCondLst>
+                        <p:cond delay="indefinite"/>
+                        <p:cond evt="onBegin" delay="0">
+                          <p:tn val="2"/>
+                        </p:cond>
+                      </p:stCondLst>
+                      <p:childTnLst>
+                        <p:par>
+                          <p:cTn id="4" fill="hold">
+                            <p:stCondLst>
+                              <p:cond delay="0"/>
+                            </p:stCondLst>
+                            <p:childTnLst>
+                              <p:par>
+                                <p:cTn id="5" presetID="10" presetClass="entr" presetSubtype="0" fill="hold" grpId="0" nodeType="withEffect">
+                                  <p:stCondLst>
+                                    <p:cond delay="0"/>
+                                  </p:stCondLst>
+                                  <p:childTnLst>
+                                    <p:set>
+                                      <p:cBhvr>
+                                        <p:cTn id="6" dur="1" fill="hold">
+                                          <p:stCondLst>
+                                            <p:cond delay="0"/>
+                                          </p:stCondLst>
+                                        </p:cTn>
+                                        <p:tgtEl>
+                                          <p:spTgt spid="3">
+                                            <p:txEl>
+                                              <p:pRg st="0" end="0"/>
+                                            </p:txEl>
+                                          </p:spTgt>
+                                        </p:tgtEl>
+                                        <p:attrNameLst>
+                                          <p:attrName>style.visibility</p:attrName>
+                                        </p:attrNameLst>
+                                      </p:cBhvr>
+                                      <p:to>
+                                        <p:strVal val="visible"/>
+                                      </p:to>
+                                    </p:set>
+                                    <p:animEffect transition="in" filter="fade">
+                                      <p:cBhvr>
+                                        <p:cTn id="7" dur="500"/>
+                                        <p:tgtEl>
+                                          <p:spTgt spid="3">
+                                            <p:txEl>
+                                              <p:pRg st="0" end="0"/>
+                                            </p:txEl>
+                                          </p:spTgt>
+                                        </p:tgtEl>
+                                      </p:cBhvr>
+                                    </p:animEffect>
+                                  </p:childTnLst>
+                                </p:cTn>
+                              </p:par>
+                            </p:childTnLst>
+                          </p:cTn>
+                        </p:par>
+                      </p:childTnLst>
+                    </p:cTn>
+                  </p:par>
+                  <p:par>
+                    <p:cTn id="8" fill="hold">
+                      <p:stCondLst>
+                        <p:cond delay="indefinite"/>
+                      </p:stCondLst>
+                      <p:childTnLst>
+                        <p:par>
+                          <p:cTn id="9" fill="hold">
+                            <p:stCondLst>
+                              <p:cond delay="0"/>
+                            </p:stCondLst>
+                            <p:childTnLst>
+                              <p:par>
+                                <p:cTn id="10" presetID="10" presetClass="entr" presetSubtype="0" fill="hold" grpId="0" nodeType="clickEffect">
+                                  <p:stCondLst>
+                                    <p:cond delay="0"/>
+                                  </p:stCondLst>
+                                  <p:childTnLst>
+                                    <p:set>
+                                      <p:cBhvr>
+                                        <p:cTn id="11" dur="1" fill="hold">
+                                          <p:stCondLst>
+                                            <p:cond delay="0"/>
+                                          </p:stCondLst>
+                                        </p:cTn>
+                                        <p:tgtEl>
+                                          <p:spTgt spid="3">
+                                            <p:txEl>
+                                              <p:pRg st="2" end="2"/>
+                                            </p:txEl>
+                                          </p:spTgt>
+                                        </p:tgtEl>
+                                        <p:attrNameLst>
+                                          <p:attrName>style.visibility</p:attrName>
+                                        </p:attrNameLst>
+                                      </p:cBhvr>
+                                      <p:to>
+                                        <p:strVal val="visible"/>
+                                      </p:to>
+                                    </p:set>
+                                    <p:animEffect transition="in" filter="fade">
+                                      <p:cBhvr>
+                                        <p:cTn id="12" dur="500"/>
+                                        <p:tgtEl>
+                                          <p:spTgt spid="3">
+                                            <p:txEl>
+                                              <p:pRg st="2" end="2"/>
+                                            </p:txEl>
+                                          </p:spTgt>
+                                        </p:tgtEl>
+                                      </p:cBhvr>
+                                    </p:animEffect>
+                                  </p:childTnLst>
+                                </p:cTn>
+                              </p:par>
+                            </p:childTnLst>
+                          </p:cTn>
+                        </p:par>
+                      </p:childTnLst>
+                    </p:cTn>
+                  </p:par>
+                  <p:par>
+                    <p:cTn id="13" fill="hold">
+                      <p:stCondLst>
+                        <p:cond delay="indefinite"/>
+                      </p:stCondLst>
+                      <p:childTnLst>
+                        <p:par>
+                          <p:cTn id="14" fill="hold">
+                            <p:stCondLst>
+                              <p:cond delay="0"/>
+                            </p:stCondLst>
+                            <p:childTnLst>
+                              <p:par>
+                                <p:cTn id="15" presetID="10" presetClass="entr" presetSubtype="0" fill="hold" grpId="0" nodeType="clickEffect">
+                                  <p:stCondLst>
+                                    <p:cond delay="0"/>
+                                  </p:stCondLst>
+                                  <p:childTnLst>
+                                    <p:set>
+                                      <p:cBhvr>
+                                        <p:cTn id="16" dur="1" fill="hold">
+                                          <p:stCondLst>
+                                            <p:cond delay="0"/>
+                                          </p:stCondLst>
+                                        </p:cTn>
+                                        <p:tgtEl>
+                                          <p:spTgt spid="3">
+                                            <p:txEl>
+                                              <p:pRg st="4" end="4"/>
+                                            </p:txEl>
+                                          </p:spTgt>
+                                        </p:tgtEl>
+                                        <p:attrNameLst>
+                                          <p:attrName>style.visibility</p:attrName>
+                                        </p:attrNameLst>
+                                      </p:cBhvr>
+                                      <p:to>
+                                        <p:strVal val="visible"/>
+                                      </p:to>
+                                    </p:set>
+                                    <p:animEffect transition="in" filter="fade">
+                                      <p:cBhvr>
+                                        <p:cTn id="17" dur="500"/>
+                                        <p:tgtEl>
+                                          <p:spTgt spid="3">
+                                            <p:txEl>
+                                              <p:pRg st="4" end="4"/>
+                                            </p:txEl>
+                                          </p:spTgt>
+                                        </p:tgtEl>
+                                      </p:cBhvr>
+                                    </p:animEffect>
+                                  </p:childTnLst>
+                                </p:cTn>
+                              </p:par>
+                            </p:childTnLst>
+                          </p:cTn>
+                        </p:par>
+                      </p:childTnLst>
+                    </p:cTn>
+                  </p:par>
+                </p:childTnLst>
+              </p:cTn>
+              <p:prevCondLst>
+                <p:cond evt="onPrev" delay="0">
+                  <p:tgtEl>
+                    <p:sldTgt/>
+                  </p:tgtEl>
+                </p:cond>
+              </p:prevCondLst>
+              <p:nextCondLst>
+                <p:cond evt="onNext" delay="0">
+                  <p:tgtEl>
+                    <p:sldTgt/>
+                  </p:tgtEl>
+                </p:cond>
+              </p:nextCondLst>
+            </p:seq>
+          </p:childTnLst>
+        </p:cTn>
+      </p:par>
+    </p:tnLst>
+    <p:bldLst>
+      <p:bldP spid="3" grpId="0" uiExpand="1" build="p"/>
+    </p:bldLst>
+  </p:timing>
 </p:sld>
 </file>
 
@@ -28049,8 +28933,8 @@
           </a:p>
         </p:txBody>
       </p:sp>
-      <mc:AlternateContent xmlns:mc="http://schemas.openxmlformats.org/markup-compatibility/2006">
-        <mc:Choice xmlns:a14="http://schemas.microsoft.com/office/drawing/2010/main" Requires="a14">
+      <mc:AlternateContent xmlns:mc="http://schemas.openxmlformats.org/markup-compatibility/2006" xmlns:a14="http://schemas.microsoft.com/office/drawing/2010/main">
+        <mc:Choice Requires="a14">
           <p:sp>
             <p:nvSpPr>
               <p:cNvPr id="21" name="TextBox 20">
@@ -28189,7 +29073,7 @@
             </p:txBody>
           </p:sp>
         </mc:Choice>
-        <mc:Fallback>
+        <mc:Fallback xmlns="">
           <p:sp>
             <p:nvSpPr>
               <p:cNvPr id="21" name="TextBox 20">
@@ -28829,8 +29713,8 @@
           </a:p>
         </p:txBody>
       </p:sp>
-      <mc:AlternateContent xmlns:mc="http://schemas.openxmlformats.org/markup-compatibility/2006">
-        <mc:Choice xmlns:a14="http://schemas.microsoft.com/office/drawing/2010/main" Requires="a14">
+      <mc:AlternateContent xmlns:mc="http://schemas.openxmlformats.org/markup-compatibility/2006" xmlns:a14="http://schemas.microsoft.com/office/drawing/2010/main">
+        <mc:Choice Requires="a14">
           <p:sp>
             <p:nvSpPr>
               <p:cNvPr id="3" name="Content Placeholder 2">
@@ -29083,7 +29967,7 @@
             </p:txBody>
           </p:sp>
         </mc:Choice>
-        <mc:Fallback>
+        <mc:Fallback xmlns="">
           <p:sp>
             <p:nvSpPr>
               <p:cNvPr id="3" name="Content Placeholder 2">
@@ -29548,8 +30432,8 @@
           </a:p>
         </p:txBody>
       </p:sp>
-      <mc:AlternateContent xmlns:mc="http://schemas.openxmlformats.org/markup-compatibility/2006">
-        <mc:Choice xmlns:a14="http://schemas.microsoft.com/office/drawing/2010/main" Requires="a14">
+      <mc:AlternateContent xmlns:mc="http://schemas.openxmlformats.org/markup-compatibility/2006" xmlns:a14="http://schemas.microsoft.com/office/drawing/2010/main">
+        <mc:Choice Requires="a14">
           <p:sp>
             <p:nvSpPr>
               <p:cNvPr id="3" name="Content Placeholder 2">
@@ -29715,7 +30599,7 @@
             </p:txBody>
           </p:sp>
         </mc:Choice>
-        <mc:Fallback>
+        <mc:Fallback xmlns="">
           <p:sp>
             <p:nvSpPr>
               <p:cNvPr id="3" name="Content Placeholder 2">
@@ -30485,8 +31369,8 @@
           </a:p>
         </p:txBody>
       </p:sp>
-      <mc:AlternateContent xmlns:mc="http://schemas.openxmlformats.org/markup-compatibility/2006">
-        <mc:Choice xmlns:a14="http://schemas.microsoft.com/office/drawing/2010/main" Requires="a14">
+      <mc:AlternateContent xmlns:mc="http://schemas.openxmlformats.org/markup-compatibility/2006" xmlns:a14="http://schemas.microsoft.com/office/drawing/2010/main">
+        <mc:Choice Requires="a14">
           <p:sp>
             <p:nvSpPr>
               <p:cNvPr id="3" name="Content Placeholder 2">
@@ -30819,7 +31703,7 @@
             </p:txBody>
           </p:sp>
         </mc:Choice>
-        <mc:Fallback>
+        <mc:Fallback xmlns="">
           <p:sp>
             <p:nvSpPr>
               <p:cNvPr id="3" name="Content Placeholder 2">
